--- a/img/pivot_wider_diagram.pptx
+++ b/img/pivot_wider_diagram.pptx
@@ -197,7 +197,7 @@
           <a:p>
             <a:fld id="{170D5FDB-D03A-2E43-9B88-EA3C1EE0BEBC}" type="datetimeFigureOut">
               <a:rPr lang="en-US" smtClean="0"/>
-              <a:t>10/21/20</a:t>
+              <a:t>10/26/20</a:t>
             </a:fld>
             <a:endParaRPr lang="en-US"/>
           </a:p>
@@ -679,7 +679,7 @@
           <a:p>
             <a:fld id="{474D065E-8568-CD47-9BD0-EC5C132A36C5}" type="datetimeFigureOut">
               <a:rPr lang="en-US" smtClean="0"/>
-              <a:t>10/21/20</a:t>
+              <a:t>10/26/20</a:t>
             </a:fld>
             <a:endParaRPr lang="en-US"/>
           </a:p>
@@ -849,7 +849,7 @@
           <a:p>
             <a:fld id="{474D065E-8568-CD47-9BD0-EC5C132A36C5}" type="datetimeFigureOut">
               <a:rPr lang="en-US" smtClean="0"/>
-              <a:t>10/21/20</a:t>
+              <a:t>10/26/20</a:t>
             </a:fld>
             <a:endParaRPr lang="en-US"/>
           </a:p>
@@ -1029,7 +1029,7 @@
           <a:p>
             <a:fld id="{474D065E-8568-CD47-9BD0-EC5C132A36C5}" type="datetimeFigureOut">
               <a:rPr lang="en-US" smtClean="0"/>
-              <a:t>10/21/20</a:t>
+              <a:t>10/26/20</a:t>
             </a:fld>
             <a:endParaRPr lang="en-US"/>
           </a:p>
@@ -1199,7 +1199,7 @@
           <a:p>
             <a:fld id="{474D065E-8568-CD47-9BD0-EC5C132A36C5}" type="datetimeFigureOut">
               <a:rPr lang="en-US" smtClean="0"/>
-              <a:t>10/21/20</a:t>
+              <a:t>10/26/20</a:t>
             </a:fld>
             <a:endParaRPr lang="en-US"/>
           </a:p>
@@ -1445,7 +1445,7 @@
           <a:p>
             <a:fld id="{474D065E-8568-CD47-9BD0-EC5C132A36C5}" type="datetimeFigureOut">
               <a:rPr lang="en-US" smtClean="0"/>
-              <a:t>10/21/20</a:t>
+              <a:t>10/26/20</a:t>
             </a:fld>
             <a:endParaRPr lang="en-US"/>
           </a:p>
@@ -1677,7 +1677,7 @@
           <a:p>
             <a:fld id="{474D065E-8568-CD47-9BD0-EC5C132A36C5}" type="datetimeFigureOut">
               <a:rPr lang="en-US" smtClean="0"/>
-              <a:t>10/21/20</a:t>
+              <a:t>10/26/20</a:t>
             </a:fld>
             <a:endParaRPr lang="en-US"/>
           </a:p>
@@ -2044,7 +2044,7 @@
           <a:p>
             <a:fld id="{474D065E-8568-CD47-9BD0-EC5C132A36C5}" type="datetimeFigureOut">
               <a:rPr lang="en-US" smtClean="0"/>
-              <a:t>10/21/20</a:t>
+              <a:t>10/26/20</a:t>
             </a:fld>
             <a:endParaRPr lang="en-US"/>
           </a:p>
@@ -2162,7 +2162,7 @@
           <a:p>
             <a:fld id="{474D065E-8568-CD47-9BD0-EC5C132A36C5}" type="datetimeFigureOut">
               <a:rPr lang="en-US" smtClean="0"/>
-              <a:t>10/21/20</a:t>
+              <a:t>10/26/20</a:t>
             </a:fld>
             <a:endParaRPr lang="en-US"/>
           </a:p>
@@ -2257,7 +2257,7 @@
           <a:p>
             <a:fld id="{474D065E-8568-CD47-9BD0-EC5C132A36C5}" type="datetimeFigureOut">
               <a:rPr lang="en-US" smtClean="0"/>
-              <a:t>10/21/20</a:t>
+              <a:t>10/26/20</a:t>
             </a:fld>
             <a:endParaRPr lang="en-US"/>
           </a:p>
@@ -2534,7 +2534,7 @@
           <a:p>
             <a:fld id="{474D065E-8568-CD47-9BD0-EC5C132A36C5}" type="datetimeFigureOut">
               <a:rPr lang="en-US" smtClean="0"/>
-              <a:t>10/21/20</a:t>
+              <a:t>10/26/20</a:t>
             </a:fld>
             <a:endParaRPr lang="en-US"/>
           </a:p>
@@ -2791,7 +2791,7 @@
           <a:p>
             <a:fld id="{474D065E-8568-CD47-9BD0-EC5C132A36C5}" type="datetimeFigureOut">
               <a:rPr lang="en-US" smtClean="0"/>
-              <a:t>10/21/20</a:t>
+              <a:t>10/26/20</a:t>
             </a:fld>
             <a:endParaRPr lang="en-US"/>
           </a:p>
@@ -3004,7 +3004,7 @@
           <a:p>
             <a:fld id="{474D065E-8568-CD47-9BD0-EC5C132A36C5}" type="datetimeFigureOut">
               <a:rPr lang="en-US" smtClean="0"/>
-              <a:t>10/21/20</a:t>
+              <a:t>10/26/20</a:t>
             </a:fld>
             <a:endParaRPr lang="en-US"/>
           </a:p>
@@ -7363,6 +7363,50 @@
               <a:latin typeface="Courier" pitchFamily="2" charset="0"/>
               <a:cs typeface="Courier New" panose="02070309020205020404" pitchFamily="49" charset="0"/>
             </a:endParaRPr>
+          </a:p>
+        </p:txBody>
+      </p:sp>
+      <p:sp>
+        <p:nvSpPr>
+          <p:cNvPr id="2" name="TextBox 1">
+            <a:extLst>
+              <a:ext uri="{FF2B5EF4-FFF2-40B4-BE49-F238E27FC236}">
+                <a16:creationId xmlns:a16="http://schemas.microsoft.com/office/drawing/2014/main" id="{75E81CAB-99C0-4A42-9FCB-5B6EB0AB8CD7}"/>
+              </a:ext>
+            </a:extLst>
+          </p:cNvPr>
+          <p:cNvSpPr txBox="1"/>
+          <p:nvPr/>
+        </p:nvSpPr>
+        <p:spPr>
+          <a:xfrm>
+            <a:off x="3583588" y="115297"/>
+            <a:ext cx="1976823" cy="369332"/>
+          </a:xfrm>
+          <a:prstGeom prst="rect">
+            <a:avLst/>
+          </a:prstGeom>
+          <a:noFill/>
+        </p:spPr>
+        <p:txBody>
+          <a:bodyPr wrap="none" rtlCol="0">
+            <a:spAutoFit/>
+          </a:bodyPr>
+          <a:lstStyle/>
+          <a:p>
+            <a:pPr algn="ctr"/>
+            <a:r>
+              <a:rPr lang="en-US" b="1" dirty="0" err="1">
+                <a:latin typeface="Courier" pitchFamily="2" charset="0"/>
+              </a:rPr>
+              <a:t>pivot_wider</a:t>
+            </a:r>
+            <a:r>
+              <a:rPr lang="en-US" b="1" dirty="0">
+                <a:latin typeface="Courier" pitchFamily="2" charset="0"/>
+              </a:rPr>
+              <a:t>()</a:t>
+            </a:r>
           </a:p>
         </p:txBody>
       </p:sp>
